--- a/Slide.pptx
+++ b/Slide.pptx
@@ -1650,40 +1650,102 @@
           </a:p>
         </p:txBody>
       </p:sp>
-      <p:sp>
-        <p:nvSpPr>
-          <p:cNvPr id="3" name="Content Placeholder 2">
-            <a:extLst>
-              <a:ext uri="{FF2B5EF4-FFF2-40B4-BE49-F238E27FC236}">
-                <a16:creationId xmlns:a16="http://schemas.microsoft.com/office/drawing/2014/main" id="{E4446E21-B062-479F-A228-C37B30CA2B51}"/>
-              </a:ext>
-            </a:extLst>
-          </p:cNvPr>
-          <p:cNvSpPr>
-            <a:spLocks noGrp="1"/>
-          </p:cNvSpPr>
-          <p:nvPr>
-            <p:ph idx="1"/>
-          </p:nvPr>
-        </p:nvSpPr>
-        <p:spPr/>
-        <p:txBody>
-          <a:bodyPr/>
-          <a:lstStyle/>
-          <a:p>
-            <a:r>
-              <a:rPr lang="en-US"/>
-              <a:t>Deep neural networks tend to be overconfident</a:t>
-            </a:r>
-          </a:p>
-          <a:p>
-            <a:r>
-              <a:rPr lang="en-US"/>
-              <a:t>Safety domains required not just raw accuracy, but predictive reliability</a:t>
-            </a:r>
-          </a:p>
-        </p:txBody>
-      </p:sp>
+      <mc:AlternateContent xmlns:mc="http://schemas.openxmlformats.org/markup-compatibility/2006">
+        <mc:Choice xmlns:a14="http://schemas.microsoft.com/office/drawing/2010/main" Requires="a14">
+          <p:sp>
+            <p:nvSpPr>
+              <p:cNvPr id="3" name="Content Placeholder 2">
+                <a:extLst>
+                  <a:ext uri="{FF2B5EF4-FFF2-40B4-BE49-F238E27FC236}">
+                    <a16:creationId xmlns:a16="http://schemas.microsoft.com/office/drawing/2014/main" id="{E4446E21-B062-479F-A228-C37B30CA2B51}"/>
+                  </a:ext>
+                </a:extLst>
+              </p:cNvPr>
+              <p:cNvSpPr>
+                <a:spLocks noGrp="1"/>
+              </p:cNvSpPr>
+              <p:nvPr>
+                <p:ph idx="1"/>
+              </p:nvPr>
+            </p:nvSpPr>
+            <p:spPr/>
+            <p:txBody>
+              <a:bodyPr/>
+              <a:lstStyle/>
+              <a:p>
+                <a:r>
+                  <a:rPr lang="en-US"/>
+                  <a:t>Deep neural networks tend to be overconfident</a:t>
+                </a:r>
+              </a:p>
+              <a:p>
+                <a:r>
+                  <a:rPr lang="en-US"/>
+                  <a:t>Safety domains required not just raw accuracy, but predictive reliability</a:t>
+                </a:r>
+              </a:p>
+              <a:p>
+                <a:pPr marL="0" indent="0" algn="ctr">
+                  <a:buNone/>
+                </a:pPr>
+                <a14:m>
+                  <m:oMath xmlns:m="http://schemas.openxmlformats.org/officeDocument/2006/math">
+                    <m:r>
+                      <a:rPr lang="en-US" b="0" i="1" smtClean="0">
+                        <a:latin typeface="Cambria Math" panose="02040503050406030204" pitchFamily="18" charset="0"/>
+                      </a:rPr>
+                      <m:t>⇒</m:t>
+                    </m:r>
+                  </m:oMath>
+                </a14:m>
+                <a:r>
+                  <a:rPr lang="en-US"/>
+                  <a:t> Model confidence needs to be </a:t>
+                </a:r>
+              </a:p>
+            </p:txBody>
+          </p:sp>
+        </mc:Choice>
+        <mc:Fallback>
+          <p:sp>
+            <p:nvSpPr>
+              <p:cNvPr id="3" name="Content Placeholder 2">
+                <a:extLst>
+                  <a:ext uri="{FF2B5EF4-FFF2-40B4-BE49-F238E27FC236}">
+                    <a16:creationId xmlns:a16="http://schemas.microsoft.com/office/drawing/2014/main" id="{E4446E21-B062-479F-A228-C37B30CA2B51}"/>
+                  </a:ext>
+                </a:extLst>
+              </p:cNvPr>
+              <p:cNvSpPr>
+                <a:spLocks noGrp="1" noRot="1" noChangeAspect="1" noMove="1" noResize="1" noEditPoints="1" noAdjustHandles="1" noChangeArrowheads="1" noChangeShapeType="1" noTextEdit="1"/>
+              </p:cNvSpPr>
+              <p:nvPr>
+                <p:ph idx="1"/>
+              </p:nvPr>
+            </p:nvSpPr>
+            <p:spPr>
+              <a:blipFill>
+                <a:blip r:embed="rId2"/>
+                <a:stretch>
+                  <a:fillRect l="-944" t="-1356"/>
+                </a:stretch>
+              </a:blipFill>
+            </p:spPr>
+            <p:txBody>
+              <a:bodyPr/>
+              <a:lstStyle/>
+              <a:p>
+                <a:r>
+                  <a:rPr lang="en-US">
+                    <a:noFill/>
+                  </a:rPr>
+                  <a:t> </a:t>
+                </a:r>
+              </a:p>
+            </p:txBody>
+          </p:sp>
+        </mc:Fallback>
+      </mc:AlternateContent>
       <p:sp>
         <p:nvSpPr>
           <p:cNvPr id="4" name="Footer Placeholder 3">
